--- a/assets/img/프레젠테이션 1.pptx
+++ b/assets/img/프레젠테이션 1.pptx
@@ -3642,8 +3642,8 @@
         </p:nvSpPr>
         <p:spPr>
           <a:xfrm>
-            <a:off x="4591053" y="2927214"/>
-            <a:ext cx="4114385" cy="1003571"/>
+            <a:off x="5024748" y="2926647"/>
+            <a:ext cx="3719198" cy="1004706"/>
           </a:xfrm>
           <a:prstGeom prst="rect">
             <a:avLst/>
@@ -3675,7 +3675,7 @@
                 <a:latin typeface="으뜸돋움MR"/>
                 <a:ea typeface="으뜸돋움MR"/>
               </a:rPr>
-              <a:t>NETWORK</a:t>
+              <a:t>HACKING</a:t>
             </a:r>
             <a:endParaRPr xmlns:mc="http://schemas.openxmlformats.org/markup-compatibility/2006" xmlns:hp="http://schemas.haansoft.com/office/presentation/8.0" kumimoji="0" lang="en-US" altLang="ko-KR" sz="6000" b="0" i="0" u="none" strike="noStrike" kern="1200" cap="none" spc="0" normalizeH="0" baseline="0" mc:Ignorable="hp" hp:hslEmbossed="0">
               <a:solidFill>
@@ -3689,7 +3689,7 @@
       </p:sp>
       <p:pic>
         <p:nvPicPr>
-          <p:cNvPr id="5" name=""/>
+          <p:cNvPr id="8" name=""/>
           <p:cNvPicPr>
             <a:picLocks noChangeAspect="1"/>
           </p:cNvPicPr>
@@ -3703,7 +3703,7 @@
         </p:blipFill>
         <p:spPr>
           <a:xfrm>
-            <a:off x="2840072" y="2670486"/>
+            <a:off x="3393737" y="2670486"/>
             <a:ext cx="1517027" cy="1517027"/>
           </a:xfrm>
           <a:prstGeom prst="rect">
